--- a/presentations-papers-etc/esss-poster-winter-2022-v2.pptx
+++ b/presentations-papers-etc/esss-poster-winter-2022-v2.pptx
@@ -5771,10 +5771,10 @@
       </p:grpSpPr>
       <p:pic>
         <p:nvPicPr>
-          <p:cNvPr id="18" name="Picture 17">
+          <p:cNvPr id="36" name="Picture 35">
             <a:extLst>
               <a:ext uri="{FF2B5EF4-FFF2-40B4-BE49-F238E27FC236}">
-                <a16:creationId xmlns:a16="http://schemas.microsoft.com/office/drawing/2014/main" id="{29D86ED1-7591-407A-B12A-9A113C1565FC}"/>
+                <a16:creationId xmlns:a16="http://schemas.microsoft.com/office/drawing/2014/main" id="{A3C8CBA6-2A5F-4BA4-BCF5-66FFE4EE54A4}"/>
               </a:ext>
             </a:extLst>
           </p:cNvPr>
@@ -5784,7 +5784,7 @@
           <p:nvPr/>
         </p:nvPicPr>
         <p:blipFill>
-          <a:blip r:embed="rId3" cstate="print">
+          <a:blip r:embed="rId3">
             <a:extLst>
               <a:ext uri="{28A0092B-C50C-407E-A947-70E740481C1C}">
                 <a14:useLocalDpi xmlns:a14="http://schemas.microsoft.com/office/drawing/2010/main" val="0"/>
@@ -5797,8 +5797,8 @@
         </p:blipFill>
         <p:spPr>
           <a:xfrm>
-            <a:off x="13980029" y="6791534"/>
-            <a:ext cx="17240244" cy="20614027"/>
+            <a:off x="13994396" y="6694683"/>
+            <a:ext cx="17219520" cy="20612530"/>
           </a:xfrm>
           <a:prstGeom prst="rect">
             <a:avLst/>
@@ -7001,7 +7001,7 @@
           <p:nvPr>
             <p:extLst>
               <p:ext uri="{D42A27DB-BD31-4B8C-83A1-F6EECF244321}">
-                <p14:modId xmlns:p14="http://schemas.microsoft.com/office/powerpoint/2010/main" val="4076629137"/>
+                <p14:modId xmlns:p14="http://schemas.microsoft.com/office/powerpoint/2010/main" val="2151166441"/>
               </p:ext>
             </p:extLst>
           </p:nvPr>
@@ -10262,7 +10262,7 @@
                 <a:ea typeface="Source Sans Pro Regular" panose="020B0503030403020204" pitchFamily="34" charset="0"/>
                 <a:cs typeface="Times New Roman" panose="02020603050405020304" pitchFamily="18" charset="0"/>
               </a:rPr>
-              <a:t>1 </a:t>
+              <a:t> </a:t>
             </a:r>
             <a:r>
               <a:rPr lang="en-US" sz="3000" dirty="0">
@@ -10278,7 +10278,7 @@
                 <a:ea typeface="Source Sans Pro Regular" panose="020B0503030403020204" pitchFamily="34" charset="0"/>
                 <a:cs typeface="Times New Roman" panose="02020603050405020304" pitchFamily="18" charset="0"/>
               </a:rPr>
-              <a:t>2</a:t>
+              <a:t>1</a:t>
             </a:r>
             <a:r>
               <a:rPr lang="en-US" sz="3000" dirty="0">
@@ -10314,7 +10314,7 @@
                 <a:ea typeface="Source Sans Pro Regular" panose="020B0503030403020204" pitchFamily="34" charset="0"/>
                 <a:cs typeface="Times New Roman" panose="02020603050405020304" pitchFamily="18" charset="0"/>
               </a:rPr>
-              <a:t>3, 4</a:t>
+              <a:t>2, 3</a:t>
             </a:r>
             <a:r>
               <a:rPr lang="en-US" sz="3000" dirty="0">
@@ -10575,8 +10575,8 @@
         </p:nvSpPr>
         <p:spPr>
           <a:xfrm>
-            <a:off x="31295167" y="28786274"/>
-            <a:ext cx="11720830" cy="3416316"/>
+            <a:off x="31258014" y="29276798"/>
+            <a:ext cx="11720830" cy="2893096"/>
           </a:xfrm>
           <a:prstGeom prst="rect">
             <a:avLst/>
@@ -10609,41 +10609,65 @@
           <a:p>
             <a:pPr marL="457200" indent="-457200"/>
             <a:r>
-              <a:rPr lang="en-US" sz="2400" baseline="30000" dirty="0">
+              <a:rPr lang="en-US" sz="2600" baseline="30000" dirty="0">
                 <a:latin typeface="Source Sans Pro Regular" panose="020B0503030403020204" pitchFamily="34" charset="0"/>
                 <a:ea typeface="Source Sans Pro Regular" panose="020B0503030403020204" pitchFamily="34" charset="0"/>
               </a:rPr>
               <a:t>1 </a:t>
             </a:r>
             <a:r>
-              <a:rPr lang="en-US" sz="2400" dirty="0" err="1">
+              <a:rPr lang="en-US" sz="2600" dirty="0">
                 <a:latin typeface="Source Sans Pro Regular" panose="020B0503030403020204" pitchFamily="34" charset="0"/>
                 <a:ea typeface="Source Sans Pro Regular" panose="020B0503030403020204" pitchFamily="34" charset="0"/>
               </a:rPr>
-              <a:t>Harnos</a:t>
-            </a:r>
-            <a:r>
-              <a:rPr lang="en-US" sz="2400" dirty="0">
+              <a:t>Rogers, Robert F. “Recent Advances in Our Understanding of Tropical Cyclone Intensity Change Processes from Airborne Observations.” </a:t>
+            </a:r>
+            <a:r>
+              <a:rPr lang="en-US" sz="2600" i="1" dirty="0">
                 <a:latin typeface="Source Sans Pro Regular" panose="020B0503030403020204" pitchFamily="34" charset="0"/>
                 <a:ea typeface="Source Sans Pro Regular" panose="020B0503030403020204" pitchFamily="34" charset="0"/>
               </a:rPr>
-              <a:t>, Daniel S., and Stephen W. Nesbitt. “Passive Microwave Quantification of Tropical Cyclone Inner-Core Cloud Populations Relative to Subsequent Intensity Change.” </a:t>
-            </a:r>
-            <a:r>
-              <a:rPr lang="en-US" sz="2400" i="1" dirty="0">
+              <a:t>Atmosphere</a:t>
+            </a:r>
+            <a:r>
+              <a:rPr lang="en-US" sz="2600" dirty="0">
+                <a:latin typeface="Source Sans Pro Regular" panose="020B0503030403020204" pitchFamily="34" charset="0"/>
+                <a:ea typeface="Source Sans Pro Regular" panose="020B0503030403020204" pitchFamily="34" charset="0"/>
+              </a:rPr>
+              <a:t> 12, no. 5 (May 2021): 650.</a:t>
+            </a:r>
+          </a:p>
+          <a:p>
+            <a:pPr marL="457200" indent="-457200"/>
+            <a:r>
+              <a:rPr lang="en-US" sz="2600" baseline="30000" dirty="0">
+                <a:latin typeface="Source Sans Pro Regular" panose="020B0503030403020204" pitchFamily="34" charset="0"/>
+                <a:ea typeface="Source Sans Pro Regular" panose="020B0503030403020204" pitchFamily="34" charset="0"/>
+              </a:rPr>
+              <a:t>2 </a:t>
+            </a:r>
+            <a:r>
+              <a:rPr lang="en-US" sz="2600" dirty="0">
+                <a:latin typeface="Source Sans Pro Regular" panose="020B0503030403020204" pitchFamily="34" charset="0"/>
+                <a:ea typeface="Source Sans Pro Regular" panose="020B0503030403020204" pitchFamily="34" charset="0"/>
+              </a:rPr>
+              <a:t>Willoughby, H. E. “Tropical Cyclone Eye Thermodynamics.” </a:t>
+            </a:r>
+            <a:r>
+              <a:rPr lang="en-US" sz="2600" i="1" dirty="0">
                 <a:latin typeface="Source Sans Pro Regular" panose="020B0503030403020204" pitchFamily="34" charset="0"/>
                 <a:ea typeface="Source Sans Pro Regular" panose="020B0503030403020204" pitchFamily="34" charset="0"/>
               </a:rPr>
               <a:t>Monthly Weather Review</a:t>
             </a:r>
             <a:r>
-              <a:rPr lang="en-US" sz="2400" dirty="0">
+              <a:rPr lang="en-US" sz="2600" dirty="0">
                 <a:latin typeface="Source Sans Pro Regular" panose="020B0503030403020204" pitchFamily="34" charset="0"/>
                 <a:ea typeface="Source Sans Pro Regular" panose="020B0503030403020204" pitchFamily="34" charset="0"/>
               </a:rPr>
-              <a:t> 144, no. 11 (November 1, 2016): 4461–82.</a:t>
-            </a:r>
-            <a:endParaRPr lang="en-US" sz="2400" baseline="30000" dirty="0">
+              <a:t> 126, no. 12 (December 1, 1998): 3053–67.</a:t>
+            </a:r>
+            <a:endParaRPr lang="en-US" sz="2600" baseline="30000" dirty="0">
               <a:latin typeface="Source Sans Pro Regular" panose="020B0503030403020204" pitchFamily="34" charset="0"/>
               <a:ea typeface="Source Sans Pro Regular" panose="020B0503030403020204" pitchFamily="34" charset="0"/>
             </a:endParaRPr>
@@ -10651,101 +10675,35 @@
           <a:p>
             <a:pPr marL="457200" indent="-457200"/>
             <a:r>
-              <a:rPr lang="en-US" sz="2400" baseline="30000" dirty="0">
-                <a:latin typeface="Source Sans Pro Regular" panose="020B0503030403020204" pitchFamily="34" charset="0"/>
-                <a:ea typeface="Source Sans Pro Regular" panose="020B0503030403020204" pitchFamily="34" charset="0"/>
-              </a:rPr>
-              <a:t>2 </a:t>
-            </a:r>
-            <a:r>
-              <a:rPr lang="en-US" sz="2400" dirty="0">
-                <a:latin typeface="Source Sans Pro Regular" panose="020B0503030403020204" pitchFamily="34" charset="0"/>
-                <a:ea typeface="Source Sans Pro Regular" panose="020B0503030403020204" pitchFamily="34" charset="0"/>
-              </a:rPr>
-              <a:t>Rogers, Robert F. “Recent Advances in Our Understanding of Tropical Cyclone Intensity Change Processes from Airborne Observations.” </a:t>
-            </a:r>
-            <a:r>
-              <a:rPr lang="en-US" sz="2400" i="1" dirty="0">
-                <a:latin typeface="Source Sans Pro Regular" panose="020B0503030403020204" pitchFamily="34" charset="0"/>
-                <a:ea typeface="Source Sans Pro Regular" panose="020B0503030403020204" pitchFamily="34" charset="0"/>
-              </a:rPr>
-              <a:t>Atmosphere</a:t>
-            </a:r>
-            <a:r>
-              <a:rPr lang="en-US" sz="2400" dirty="0">
-                <a:latin typeface="Source Sans Pro Regular" panose="020B0503030403020204" pitchFamily="34" charset="0"/>
-                <a:ea typeface="Source Sans Pro Regular" panose="020B0503030403020204" pitchFamily="34" charset="0"/>
-              </a:rPr>
-              <a:t> 12, no. 5 (May 2021): 650.</a:t>
-            </a:r>
-          </a:p>
-          <a:p>
-            <a:pPr marL="457200" indent="-457200"/>
-            <a:r>
-              <a:rPr lang="en-US" sz="2400" baseline="30000" dirty="0">
+              <a:rPr lang="en-US" sz="2600" baseline="30000" dirty="0">
                 <a:latin typeface="Source Sans Pro Regular" panose="020B0503030403020204" pitchFamily="34" charset="0"/>
                 <a:ea typeface="Source Sans Pro Regular" panose="020B0503030403020204" pitchFamily="34" charset="0"/>
               </a:rPr>
               <a:t>3 </a:t>
             </a:r>
             <a:r>
-              <a:rPr lang="en-US" sz="2400" dirty="0">
+              <a:rPr lang="en-US" sz="2600" dirty="0" err="1">
                 <a:latin typeface="Source Sans Pro Regular" panose="020B0503030403020204" pitchFamily="34" charset="0"/>
                 <a:ea typeface="Source Sans Pro Regular" panose="020B0503030403020204" pitchFamily="34" charset="0"/>
               </a:rPr>
-              <a:t>Willoughby, H. E. “Tropical Cyclone Eye Thermodynamics.” </a:t>
-            </a:r>
-            <a:r>
-              <a:rPr lang="en-US" sz="2400" i="1" dirty="0">
+              <a:t>Houze</a:t>
+            </a:r>
+            <a:r>
+              <a:rPr lang="en-US" sz="2600" dirty="0">
+                <a:latin typeface="Source Sans Pro Regular" panose="020B0503030403020204" pitchFamily="34" charset="0"/>
+                <a:ea typeface="Source Sans Pro Regular" panose="020B0503030403020204" pitchFamily="34" charset="0"/>
+              </a:rPr>
+              <a:t>, Robert A. “Clouds in Tropical Cyclones.” </a:t>
+            </a:r>
+            <a:r>
+              <a:rPr lang="en-US" sz="2600" i="1" dirty="0">
                 <a:latin typeface="Source Sans Pro Regular" panose="020B0503030403020204" pitchFamily="34" charset="0"/>
                 <a:ea typeface="Source Sans Pro Regular" panose="020B0503030403020204" pitchFamily="34" charset="0"/>
               </a:rPr>
               <a:t>Monthly Weather Review</a:t>
             </a:r>
             <a:r>
-              <a:rPr lang="en-US" sz="2400" dirty="0">
-                <a:latin typeface="Source Sans Pro Regular" panose="020B0503030403020204" pitchFamily="34" charset="0"/>
-                <a:ea typeface="Source Sans Pro Regular" panose="020B0503030403020204" pitchFamily="34" charset="0"/>
-              </a:rPr>
-              <a:t> 126, no. 12 (December 1, 1998): 3053–67.</a:t>
-            </a:r>
-            <a:endParaRPr lang="en-US" sz="2400" baseline="30000" dirty="0">
-              <a:latin typeface="Source Sans Pro Regular" panose="020B0503030403020204" pitchFamily="34" charset="0"/>
-              <a:ea typeface="Source Sans Pro Regular" panose="020B0503030403020204" pitchFamily="34" charset="0"/>
-            </a:endParaRPr>
-          </a:p>
-          <a:p>
-            <a:pPr marL="457200" indent="-457200"/>
-            <a:r>
-              <a:rPr lang="en-US" sz="2400" baseline="30000" dirty="0">
-                <a:latin typeface="Source Sans Pro Regular" panose="020B0503030403020204" pitchFamily="34" charset="0"/>
-                <a:ea typeface="Source Sans Pro Regular" panose="020B0503030403020204" pitchFamily="34" charset="0"/>
-              </a:rPr>
-              <a:t>4 </a:t>
-            </a:r>
-            <a:r>
-              <a:rPr lang="en-US" sz="2400" dirty="0" err="1">
-                <a:latin typeface="Source Sans Pro Regular" panose="020B0503030403020204" pitchFamily="34" charset="0"/>
-                <a:ea typeface="Source Sans Pro Regular" panose="020B0503030403020204" pitchFamily="34" charset="0"/>
-              </a:rPr>
-              <a:t>Houze</a:t>
-            </a:r>
-            <a:r>
-              <a:rPr lang="en-US" sz="2400" dirty="0">
-                <a:latin typeface="Source Sans Pro Regular" panose="020B0503030403020204" pitchFamily="34" charset="0"/>
-                <a:ea typeface="Source Sans Pro Regular" panose="020B0503030403020204" pitchFamily="34" charset="0"/>
-              </a:rPr>
-              <a:t>, Robert A. “Clouds in Tropical Cyclones.” </a:t>
-            </a:r>
-            <a:r>
-              <a:rPr lang="en-US" sz="2400" i="1" dirty="0">
-                <a:latin typeface="Source Sans Pro Regular" panose="020B0503030403020204" pitchFamily="34" charset="0"/>
-                <a:ea typeface="Source Sans Pro Regular" panose="020B0503030403020204" pitchFamily="34" charset="0"/>
-              </a:rPr>
-              <a:t>Monthly Weather Review</a:t>
-            </a:r>
-            <a:r>
-              <a:rPr lang="en-US" sz="2400" dirty="0">
+              <a:rPr lang="en-US" sz="2600" dirty="0">
                 <a:latin typeface="Source Sans Pro Regular" panose="020B0503030403020204" pitchFamily="34" charset="0"/>
                 <a:ea typeface="Source Sans Pro Regular" panose="020B0503030403020204" pitchFamily="34" charset="0"/>
               </a:rPr>
@@ -10768,7 +10726,7 @@
         </p:nvSpPr>
         <p:spPr>
           <a:xfrm>
-            <a:off x="31295167" y="28206517"/>
+            <a:off x="31278774" y="28563095"/>
             <a:ext cx="2782206" cy="817436"/>
           </a:xfrm>
           <a:prstGeom prst="rect">
@@ -10902,7 +10860,7 @@
         </p:nvSpPr>
         <p:spPr bwMode="auto">
           <a:xfrm>
-            <a:off x="15347908" y="1722876"/>
+            <a:off x="15134331" y="1429280"/>
             <a:ext cx="501290" cy="400110"/>
           </a:xfrm>
           <a:prstGeom prst="rect">
@@ -10956,7 +10914,7 @@
         </p:nvSpPr>
         <p:spPr bwMode="auto">
           <a:xfrm>
-            <a:off x="27121784" y="1507898"/>
+            <a:off x="27175994" y="1495525"/>
             <a:ext cx="457200" cy="400110"/>
           </a:xfrm>
           <a:prstGeom prst="rect">
@@ -11010,7 +10968,61 @@
         </p:nvSpPr>
         <p:spPr bwMode="auto">
           <a:xfrm>
-            <a:off x="15119308" y="7543478"/>
+            <a:off x="15145544" y="7295709"/>
+            <a:ext cx="430963" cy="400110"/>
+          </a:xfrm>
+          <a:prstGeom prst="rect">
+            <a:avLst/>
+          </a:prstGeom>
+          <a:solidFill>
+            <a:schemeClr val="bg1"/>
+          </a:solidFill>
+          <a:ln w="38100">
+            <a:solidFill>
+              <a:schemeClr val="tx1"/>
+            </a:solidFill>
+            <a:miter lim="800000"/>
+            <a:headEnd/>
+            <a:tailEnd/>
+          </a:ln>
+        </p:spPr>
+        <p:txBody>
+          <a:bodyPr wrap="square">
+            <a:spAutoFit/>
+          </a:bodyPr>
+          <a:lstStyle/>
+          <a:p>
+            <a:pPr algn="ctr"/>
+            <a:r>
+              <a:rPr lang="en-US" altLang="en-US" sz="2000" b="1" dirty="0">
+                <a:solidFill>
+                  <a:schemeClr val="tx1"/>
+                </a:solidFill>
+                <a:latin typeface="Source Sans Pro Regular" panose="020B0503030403020204" pitchFamily="34" charset="0"/>
+                <a:ea typeface="Source Sans Pro Regular" panose="020B0503030403020204" pitchFamily="34" charset="0"/>
+              </a:rPr>
+              <a:t>c</a:t>
+            </a:r>
+          </a:p>
+        </p:txBody>
+      </p:sp>
+      <p:sp>
+        <p:nvSpPr>
+          <p:cNvPr id="127" name="TextBox 5">
+            <a:extLst>
+              <a:ext uri="{FF2B5EF4-FFF2-40B4-BE49-F238E27FC236}">
+                <a16:creationId xmlns:a16="http://schemas.microsoft.com/office/drawing/2014/main" id="{8F0FF164-02E9-4DDC-A5DE-D7729C87D21A}"/>
+              </a:ext>
+            </a:extLst>
+          </p:cNvPr>
+          <p:cNvSpPr txBox="1">
+            <a:spLocks noChangeArrowheads="1"/>
+          </p:cNvSpPr>
+          <p:nvPr/>
+        </p:nvSpPr>
+        <p:spPr bwMode="auto">
+          <a:xfrm>
+            <a:off x="15131422" y="11269615"/>
             <a:ext cx="457200" cy="400110"/>
           </a:xfrm>
           <a:prstGeom prst="rect">
@@ -11043,17 +11055,17 @@
                 <a:latin typeface="Source Sans Pro Regular" panose="020B0503030403020204" pitchFamily="34" charset="0"/>
                 <a:ea typeface="Source Sans Pro Regular" panose="020B0503030403020204" pitchFamily="34" charset="0"/>
               </a:rPr>
-              <a:t>c</a:t>
+              <a:t>d</a:t>
             </a:r>
           </a:p>
         </p:txBody>
       </p:sp>
       <p:sp>
         <p:nvSpPr>
-          <p:cNvPr id="127" name="TextBox 5">
+          <p:cNvPr id="128" name="TextBox 5">
             <a:extLst>
               <a:ext uri="{FF2B5EF4-FFF2-40B4-BE49-F238E27FC236}">
-                <a16:creationId xmlns:a16="http://schemas.microsoft.com/office/drawing/2014/main" id="{8F0FF164-02E9-4DDC-A5DE-D7729C87D21A}"/>
+                <a16:creationId xmlns:a16="http://schemas.microsoft.com/office/drawing/2014/main" id="{AC151D0E-EF8F-4DF6-8F3E-8DE4BA0EEE2F}"/>
               </a:ext>
             </a:extLst>
           </p:cNvPr>
@@ -11064,7 +11076,7 @@
         </p:nvSpPr>
         <p:spPr bwMode="auto">
           <a:xfrm>
-            <a:off x="15119308" y="11576924"/>
+            <a:off x="15119308" y="15209701"/>
             <a:ext cx="457200" cy="400110"/>
           </a:xfrm>
           <a:prstGeom prst="rect">
@@ -11097,17 +11109,17 @@
                 <a:latin typeface="Source Sans Pro Regular" panose="020B0503030403020204" pitchFamily="34" charset="0"/>
                 <a:ea typeface="Source Sans Pro Regular" panose="020B0503030403020204" pitchFamily="34" charset="0"/>
               </a:rPr>
-              <a:t>d</a:t>
+              <a:t>e</a:t>
             </a:r>
           </a:p>
         </p:txBody>
       </p:sp>
       <p:sp>
         <p:nvSpPr>
-          <p:cNvPr id="128" name="TextBox 5">
+          <p:cNvPr id="129" name="TextBox 5">
             <a:extLst>
               <a:ext uri="{FF2B5EF4-FFF2-40B4-BE49-F238E27FC236}">
-                <a16:creationId xmlns:a16="http://schemas.microsoft.com/office/drawing/2014/main" id="{AC151D0E-EF8F-4DF6-8F3E-8DE4BA0EEE2F}"/>
+                <a16:creationId xmlns:a16="http://schemas.microsoft.com/office/drawing/2014/main" id="{FDB4197E-7270-46E6-878A-54BBEB1A2A5C}"/>
               </a:ext>
             </a:extLst>
           </p:cNvPr>
@@ -11118,7 +11130,7 @@
         </p:nvSpPr>
         <p:spPr bwMode="auto">
           <a:xfrm>
-            <a:off x="15119308" y="15670914"/>
+            <a:off x="15131422" y="19171076"/>
             <a:ext cx="457200" cy="400110"/>
           </a:xfrm>
           <a:prstGeom prst="rect">
@@ -11151,60 +11163,6 @@
                 <a:latin typeface="Source Sans Pro Regular" panose="020B0503030403020204" pitchFamily="34" charset="0"/>
                 <a:ea typeface="Source Sans Pro Regular" panose="020B0503030403020204" pitchFamily="34" charset="0"/>
               </a:rPr>
-              <a:t>e</a:t>
-            </a:r>
-          </a:p>
-        </p:txBody>
-      </p:sp>
-      <p:sp>
-        <p:nvSpPr>
-          <p:cNvPr id="129" name="TextBox 5">
-            <a:extLst>
-              <a:ext uri="{FF2B5EF4-FFF2-40B4-BE49-F238E27FC236}">
-                <a16:creationId xmlns:a16="http://schemas.microsoft.com/office/drawing/2014/main" id="{FDB4197E-7270-46E6-878A-54BBEB1A2A5C}"/>
-              </a:ext>
-            </a:extLst>
-          </p:cNvPr>
-          <p:cNvSpPr txBox="1">
-            <a:spLocks noChangeArrowheads="1"/>
-          </p:cNvSpPr>
-          <p:nvPr/>
-        </p:nvSpPr>
-        <p:spPr bwMode="auto">
-          <a:xfrm>
-            <a:off x="15119308" y="19757145"/>
-            <a:ext cx="457200" cy="400110"/>
-          </a:xfrm>
-          <a:prstGeom prst="rect">
-            <a:avLst/>
-          </a:prstGeom>
-          <a:solidFill>
-            <a:schemeClr val="bg1"/>
-          </a:solidFill>
-          <a:ln w="38100">
-            <a:solidFill>
-              <a:schemeClr val="tx1"/>
-            </a:solidFill>
-            <a:miter lim="800000"/>
-            <a:headEnd/>
-            <a:tailEnd/>
-          </a:ln>
-        </p:spPr>
-        <p:txBody>
-          <a:bodyPr wrap="square">
-            <a:spAutoFit/>
-          </a:bodyPr>
-          <a:lstStyle/>
-          <a:p>
-            <a:pPr algn="ctr"/>
-            <a:r>
-              <a:rPr lang="en-US" altLang="en-US" sz="2000" b="1" dirty="0">
-                <a:solidFill>
-                  <a:schemeClr val="tx1"/>
-                </a:solidFill>
-                <a:latin typeface="Source Sans Pro Regular" panose="020B0503030403020204" pitchFamily="34" charset="0"/>
-                <a:ea typeface="Source Sans Pro Regular" panose="020B0503030403020204" pitchFamily="34" charset="0"/>
-              </a:rPr>
               <a:t>f</a:t>
             </a:r>
           </a:p>
@@ -11226,7 +11184,7 @@
         </p:nvSpPr>
         <p:spPr bwMode="auto">
           <a:xfrm>
-            <a:off x="15119308" y="23890845"/>
+            <a:off x="15145545" y="23199205"/>
             <a:ext cx="457200" cy="400110"/>
           </a:xfrm>
           <a:prstGeom prst="rect">
@@ -11334,7 +11292,7 @@
         </p:nvSpPr>
         <p:spPr bwMode="auto">
           <a:xfrm>
-            <a:off x="32547301" y="4658956"/>
+            <a:off x="32593021" y="4775042"/>
             <a:ext cx="457200" cy="400110"/>
           </a:xfrm>
           <a:prstGeom prst="rect">
@@ -11648,15 +11606,13 @@
             </a:r>
           </a:p>
           <a:p>
-            <a:pPr marL="640080" indent="-457200" algn="just">
+            <a:pPr marL="640080" lvl="4" algn="just">
               <a:lnSpc>
                 <a:spcPct val="107000"/>
               </a:lnSpc>
               <a:spcAft>
                 <a:spcPts val="800"/>
               </a:spcAft>
-              <a:buFont typeface="Arial" panose="020B0604020202020204" pitchFamily="34" charset="0"/>
-              <a:buChar char="•"/>
             </a:pPr>
             <a:endParaRPr lang="en-US" sz="3000" dirty="0">
               <a:latin typeface="Source Sans Pro Regular" panose="020B0503030403020204" pitchFamily="34" charset="0"/>
@@ -11665,15 +11621,13 @@
             </a:endParaRPr>
           </a:p>
           <a:p>
-            <a:pPr marL="640080" indent="-457200" algn="just">
+            <a:pPr marL="640080" lvl="4" algn="just">
               <a:lnSpc>
                 <a:spcPct val="107000"/>
               </a:lnSpc>
               <a:spcAft>
                 <a:spcPts val="800"/>
               </a:spcAft>
-              <a:buFont typeface="Arial" panose="020B0604020202020204" pitchFamily="34" charset="0"/>
-              <a:buChar char="•"/>
             </a:pPr>
             <a:endParaRPr lang="en-US" sz="3000" dirty="0">
               <a:latin typeface="Source Sans Pro Regular" panose="020B0503030403020204" pitchFamily="34" charset="0"/>
